--- a/PPT/Presentation.pptx
+++ b/PPT/Presentation.pptx
@@ -123,7 +123,7 @@
 <file path=ppt/revisionInfo.xml><?xml version="1.0" encoding="utf-8"?>
 <p1510:revInfo xmlns:a="http://schemas.openxmlformats.org/drawingml/2006/main" xmlns:r="http://schemas.openxmlformats.org/officeDocument/2006/relationships" xmlns:p1510="http://schemas.microsoft.com/office/powerpoint/2015/10/main">
   <p1510:revLst>
-    <p1510:client id="{69816B6F-AB02-4976-93A5-E02C76DE5044}" v="314" dt="2022-04-19T08:27:22.206"/>
+    <p1510:client id="{318AD0E5-BF71-4192-94C4-9853BE48710D}" v="148" dt="2022-06-15T07:53:17.794"/>
   </p1510:revLst>
 </p1510:revInfo>
 </file>
@@ -588,11 +588,26 @@
   </pc:docChgLst>
   <pc:docChgLst>
     <pc:chgData name="Domanico, Ruby" userId="ecace605-0236-4455-9873-7516bef97b01" providerId="ADAL" clId="{318AD0E5-BF71-4192-94C4-9853BE48710D}"/>
-    <pc:docChg chg="custSel modSld">
-      <pc:chgData name="Domanico, Ruby" userId="ecace605-0236-4455-9873-7516bef97b01" providerId="ADAL" clId="{318AD0E5-BF71-4192-94C4-9853BE48710D}" dt="2022-04-11T08:49:07.298" v="114" actId="20577"/>
+    <pc:docChg chg="undo custSel modSld">
+      <pc:chgData name="Domanico, Ruby" userId="ecace605-0236-4455-9873-7516bef97b01" providerId="ADAL" clId="{318AD0E5-BF71-4192-94C4-9853BE48710D}" dt="2022-06-15T07:53:17.862" v="328" actId="27636"/>
       <pc:docMkLst>
         <pc:docMk/>
       </pc:docMkLst>
+      <pc:sldChg chg="modSp mod">
+        <pc:chgData name="Domanico, Ruby" userId="ecace605-0236-4455-9873-7516bef97b01" providerId="ADAL" clId="{318AD0E5-BF71-4192-94C4-9853BE48710D}" dt="2022-06-15T07:46:57.820" v="133" actId="27636"/>
+        <pc:sldMkLst>
+          <pc:docMk/>
+          <pc:sldMk cId="913806482" sldId="256"/>
+        </pc:sldMkLst>
+        <pc:spChg chg="mod">
+          <ac:chgData name="Domanico, Ruby" userId="ecace605-0236-4455-9873-7516bef97b01" providerId="ADAL" clId="{318AD0E5-BF71-4192-94C4-9853BE48710D}" dt="2022-06-15T07:46:57.820" v="133" actId="27636"/>
+          <ac:spMkLst>
+            <pc:docMk/>
+            <pc:sldMk cId="913806482" sldId="256"/>
+            <ac:spMk id="6" creationId="{00000000-0000-0000-0000-000000000000}"/>
+          </ac:spMkLst>
+        </pc:spChg>
+      </pc:sldChg>
       <pc:sldChg chg="modSp mod modAnim">
         <pc:chgData name="Domanico, Ruby" userId="ecace605-0236-4455-9873-7516bef97b01" providerId="ADAL" clId="{318AD0E5-BF71-4192-94C4-9853BE48710D}" dt="2022-04-11T08:49:07.298" v="114" actId="20577"/>
         <pc:sldMkLst>
@@ -608,18 +623,48 @@
           </ac:spMkLst>
         </pc:spChg>
       </pc:sldChg>
-      <pc:sldChg chg="modSp mod">
-        <pc:chgData name="Domanico, Ruby" userId="ecace605-0236-4455-9873-7516bef97b01" providerId="ADAL" clId="{318AD0E5-BF71-4192-94C4-9853BE48710D}" dt="2022-04-11T08:47:27.567" v="1" actId="27636"/>
+      <pc:sldChg chg="modSp mod modAnim">
+        <pc:chgData name="Domanico, Ruby" userId="ecace605-0236-4455-9873-7516bef97b01" providerId="ADAL" clId="{318AD0E5-BF71-4192-94C4-9853BE48710D}" dt="2022-06-15T07:53:17.862" v="328" actId="27636"/>
         <pc:sldMkLst>
           <pc:docMk/>
           <pc:sldMk cId="485783925" sldId="258"/>
         </pc:sldMkLst>
         <pc:spChg chg="mod">
-          <ac:chgData name="Domanico, Ruby" userId="ecace605-0236-4455-9873-7516bef97b01" providerId="ADAL" clId="{318AD0E5-BF71-4192-94C4-9853BE48710D}" dt="2022-04-11T08:47:27.567" v="1" actId="27636"/>
+          <ac:chgData name="Domanico, Ruby" userId="ecace605-0236-4455-9873-7516bef97b01" providerId="ADAL" clId="{318AD0E5-BF71-4192-94C4-9853BE48710D}" dt="2022-06-15T07:53:17.862" v="328" actId="27636"/>
           <ac:spMkLst>
             <pc:docMk/>
             <pc:sldMk cId="485783925" sldId="258"/>
             <ac:spMk id="3" creationId="{00000000-0000-0000-0000-000000000000}"/>
+          </ac:spMkLst>
+        </pc:spChg>
+      </pc:sldChg>
+      <pc:sldChg chg="modSp mod">
+        <pc:chgData name="Domanico, Ruby" userId="ecace605-0236-4455-9873-7516bef97b01" providerId="ADAL" clId="{318AD0E5-BF71-4192-94C4-9853BE48710D}" dt="2022-06-15T07:51:13.053" v="215" actId="1076"/>
+        <pc:sldMkLst>
+          <pc:docMk/>
+          <pc:sldMk cId="937632119" sldId="261"/>
+        </pc:sldMkLst>
+        <pc:spChg chg="mod">
+          <ac:chgData name="Domanico, Ruby" userId="ecace605-0236-4455-9873-7516bef97b01" providerId="ADAL" clId="{318AD0E5-BF71-4192-94C4-9853BE48710D}" dt="2022-06-15T07:51:13.053" v="215" actId="1076"/>
+          <ac:spMkLst>
+            <pc:docMk/>
+            <pc:sldMk cId="937632119" sldId="261"/>
+            <ac:spMk id="2" creationId="{020E092B-A2CD-478B-8CA9-41B20BE9ACD2}"/>
+          </ac:spMkLst>
+        </pc:spChg>
+      </pc:sldChg>
+      <pc:sldChg chg="modSp mod">
+        <pc:chgData name="Domanico, Ruby" userId="ecace605-0236-4455-9873-7516bef97b01" providerId="ADAL" clId="{318AD0E5-BF71-4192-94C4-9853BE48710D}" dt="2022-06-15T07:50:36.965" v="192" actId="20577"/>
+        <pc:sldMkLst>
+          <pc:docMk/>
+          <pc:sldMk cId="3039610240" sldId="263"/>
+        </pc:sldMkLst>
+        <pc:spChg chg="mod">
+          <ac:chgData name="Domanico, Ruby" userId="ecace605-0236-4455-9873-7516bef97b01" providerId="ADAL" clId="{318AD0E5-BF71-4192-94C4-9853BE48710D}" dt="2022-06-15T07:50:36.965" v="192" actId="20577"/>
+          <ac:spMkLst>
+            <pc:docMk/>
+            <pc:sldMk cId="3039610240" sldId="263"/>
+            <ac:spMk id="3" creationId="{2D1B6DE2-6C2B-4DDF-BD87-3132309787F4}"/>
           </ac:spMkLst>
         </pc:spChg>
       </pc:sldChg>
@@ -759,7 +804,7 @@
           <a:p>
             <a:fld id="{14758E81-1A8F-4E54-9A77-B5B9C26C7DFE}" type="datetimeFigureOut">
               <a:rPr lang="en-GB" smtClean="0"/>
-              <a:t>19/04/2022</a:t>
+              <a:t>15/06/2022</a:t>
             </a:fld>
             <a:endParaRPr lang="en-GB"/>
           </a:p>
@@ -929,7 +974,7 @@
           <a:p>
             <a:fld id="{14758E81-1A8F-4E54-9A77-B5B9C26C7DFE}" type="datetimeFigureOut">
               <a:rPr lang="en-GB" smtClean="0"/>
-              <a:t>19/04/2022</a:t>
+              <a:t>15/06/2022</a:t>
             </a:fld>
             <a:endParaRPr lang="en-GB"/>
           </a:p>
@@ -1109,7 +1154,7 @@
           <a:p>
             <a:fld id="{14758E81-1A8F-4E54-9A77-B5B9C26C7DFE}" type="datetimeFigureOut">
               <a:rPr lang="en-GB" smtClean="0"/>
-              <a:t>19/04/2022</a:t>
+              <a:t>15/06/2022</a:t>
             </a:fld>
             <a:endParaRPr lang="en-GB"/>
           </a:p>
@@ -1279,7 +1324,7 @@
           <a:p>
             <a:fld id="{14758E81-1A8F-4E54-9A77-B5B9C26C7DFE}" type="datetimeFigureOut">
               <a:rPr lang="en-GB" smtClean="0"/>
-              <a:t>19/04/2022</a:t>
+              <a:t>15/06/2022</a:t>
             </a:fld>
             <a:endParaRPr lang="en-GB"/>
           </a:p>
@@ -1525,7 +1570,7 @@
           <a:p>
             <a:fld id="{14758E81-1A8F-4E54-9A77-B5B9C26C7DFE}" type="datetimeFigureOut">
               <a:rPr lang="en-GB" smtClean="0"/>
-              <a:t>19/04/2022</a:t>
+              <a:t>15/06/2022</a:t>
             </a:fld>
             <a:endParaRPr lang="en-GB"/>
           </a:p>
@@ -1757,7 +1802,7 @@
           <a:p>
             <a:fld id="{14758E81-1A8F-4E54-9A77-B5B9C26C7DFE}" type="datetimeFigureOut">
               <a:rPr lang="en-GB" smtClean="0"/>
-              <a:t>19/04/2022</a:t>
+              <a:t>15/06/2022</a:t>
             </a:fld>
             <a:endParaRPr lang="en-GB"/>
           </a:p>
@@ -2124,7 +2169,7 @@
           <a:p>
             <a:fld id="{14758E81-1A8F-4E54-9A77-B5B9C26C7DFE}" type="datetimeFigureOut">
               <a:rPr lang="en-GB" smtClean="0"/>
-              <a:t>19/04/2022</a:t>
+              <a:t>15/06/2022</a:t>
             </a:fld>
             <a:endParaRPr lang="en-GB"/>
           </a:p>
@@ -2242,7 +2287,7 @@
           <a:p>
             <a:fld id="{14758E81-1A8F-4E54-9A77-B5B9C26C7DFE}" type="datetimeFigureOut">
               <a:rPr lang="en-GB" smtClean="0"/>
-              <a:t>19/04/2022</a:t>
+              <a:t>15/06/2022</a:t>
             </a:fld>
             <a:endParaRPr lang="en-GB"/>
           </a:p>
@@ -2337,7 +2382,7 @@
           <a:p>
             <a:fld id="{14758E81-1A8F-4E54-9A77-B5B9C26C7DFE}" type="datetimeFigureOut">
               <a:rPr lang="en-GB" smtClean="0"/>
-              <a:t>19/04/2022</a:t>
+              <a:t>15/06/2022</a:t>
             </a:fld>
             <a:endParaRPr lang="en-GB"/>
           </a:p>
@@ -2614,7 +2659,7 @@
           <a:p>
             <a:fld id="{14758E81-1A8F-4E54-9A77-B5B9C26C7DFE}" type="datetimeFigureOut">
               <a:rPr lang="en-GB" smtClean="0"/>
-              <a:t>19/04/2022</a:t>
+              <a:t>15/06/2022</a:t>
             </a:fld>
             <a:endParaRPr lang="en-GB"/>
           </a:p>
@@ -2867,7 +2912,7 @@
           <a:p>
             <a:fld id="{14758E81-1A8F-4E54-9A77-B5B9C26C7DFE}" type="datetimeFigureOut">
               <a:rPr lang="en-GB" smtClean="0"/>
-              <a:t>19/04/2022</a:t>
+              <a:t>15/06/2022</a:t>
             </a:fld>
             <a:endParaRPr lang="en-GB"/>
           </a:p>
@@ -3080,7 +3125,7 @@
           <a:p>
             <a:fld id="{14758E81-1A8F-4E54-9A77-B5B9C26C7DFE}" type="datetimeFigureOut">
               <a:rPr lang="en-GB" smtClean="0"/>
-              <a:t>19/04/2022</a:t>
+              <a:t>15/06/2022</a:t>
             </a:fld>
             <a:endParaRPr lang="en-GB"/>
           </a:p>
@@ -3588,7 +3633,7 @@
         </p:spPr>
         <p:txBody>
           <a:bodyPr vert="horz" lIns="91440" tIns="45720" rIns="91440" bIns="45720" rtlCol="0" anchor="b">
-            <a:normAutofit/>
+            <a:normAutofit fontScale="85000" lnSpcReduction="10000"/>
           </a:bodyPr>
           <a:lstStyle>
             <a:lvl1pPr algn="ctr" defTabSz="914400" rtl="0" eaLnBrk="1" latinLnBrk="0" hangingPunct="1">
@@ -3618,7 +3663,7 @@
                 <a:latin typeface="Courier New" panose="02070309020205020404" pitchFamily="49" charset="0"/>
                 <a:cs typeface="Courier New" panose="02070309020205020404" pitchFamily="49" charset="0"/>
               </a:rPr>
-              <a:t>WE ENJOYED CODING IT </a:t>
+              <a:t>IT WAS GREAT CODING IT </a:t>
             </a:r>
             <a:r>
               <a:rPr lang="en-GB" b="1" dirty="0">
@@ -4326,8 +4371,8 @@
         </p:nvSpPr>
         <p:spPr>
           <a:xfrm>
-            <a:off x="3772174" y="-101942"/>
-            <a:ext cx="4062721" cy="1325563"/>
+            <a:off x="3015380" y="-19248"/>
+            <a:ext cx="5071960" cy="1325563"/>
           </a:xfrm>
         </p:spPr>
         <p:txBody>
@@ -4336,7 +4381,7 @@
           <a:p>
             <a:r>
               <a:rPr lang="en-GB" dirty="0"/>
-              <a:t>How we did it:</a:t>
+              <a:t> Behind the interface:</a:t>
             </a:r>
           </a:p>
         </p:txBody>
@@ -5617,7 +5662,7 @@
                 <a:latin typeface="Courier New" panose="02070309020205020404" pitchFamily="49" charset="0"/>
                 <a:cs typeface="Courier New" panose="02070309020205020404" pitchFamily="49" charset="0"/>
               </a:rPr>
-              <a:t>Use objects in inventory</a:t>
+              <a:t>Unable to create different “rooms”</a:t>
             </a:r>
           </a:p>
           <a:p>
@@ -5640,7 +5685,7 @@
                 <a:latin typeface="Courier New" panose="02070309020205020404" pitchFamily="49" charset="0"/>
                 <a:cs typeface="Courier New" panose="02070309020205020404" pitchFamily="49" charset="0"/>
               </a:rPr>
-              <a:t>Object place static</a:t>
+              <a:t>Use objects in inventory</a:t>
             </a:r>
           </a:p>
           <a:p>
@@ -5663,7 +5708,7 @@
                 <a:latin typeface="Courier New" panose="02070309020205020404" pitchFamily="49" charset="0"/>
                 <a:cs typeface="Courier New" panose="02070309020205020404" pitchFamily="49" charset="0"/>
               </a:rPr>
-              <a:t>“Garbage collection”</a:t>
+              <a:t>Static spots for objects in inventory</a:t>
             </a:r>
           </a:p>
           <a:p>
@@ -5686,7 +5731,7 @@
                 <a:latin typeface="Courier New" panose="02070309020205020404" pitchFamily="49" charset="0"/>
                 <a:cs typeface="Courier New" panose="02070309020205020404" pitchFamily="49" charset="0"/>
               </a:rPr>
-              <a:t>Use input text</a:t>
+              <a:t>“Garbage collection”</a:t>
             </a:r>
           </a:p>
           <a:p>
@@ -5709,8 +5754,18 @@
                 <a:latin typeface="Courier New" panose="02070309020205020404" pitchFamily="49" charset="0"/>
                 <a:cs typeface="Courier New" panose="02070309020205020404" pitchFamily="49" charset="0"/>
               </a:rPr>
-              <a:t>Different “rooms”</a:t>
-            </a:r>
+              <a:t>Evaluate input text for if statements</a:t>
+            </a:r>
+          </a:p>
+          <a:p>
+            <a:pPr algn="ctr"/>
+            <a:endParaRPr lang="en-GB" dirty="0">
+              <a:solidFill>
+                <a:schemeClr val="bg1"/>
+              </a:solidFill>
+              <a:latin typeface="Courier New" panose="02070309020205020404" pitchFamily="49" charset="0"/>
+              <a:cs typeface="Courier New" panose="02070309020205020404" pitchFamily="49" charset="0"/>
+            </a:endParaRPr>
           </a:p>
         </p:txBody>
       </p:sp>
@@ -6439,7 +6494,7 @@
         <p:spPr>
           <a:xfrm>
             <a:off x="493381" y="4144404"/>
-            <a:ext cx="11423751" cy="1477328"/>
+            <a:ext cx="11423751" cy="2031325"/>
           </a:xfrm>
           <a:prstGeom prst="rect">
             <a:avLst/>
@@ -6452,7 +6507,7 @@
           </a:bodyPr>
           <a:lstStyle/>
           <a:p>
-            <a:pPr algn="just"/>
+            <a:pPr algn="ctr"/>
             <a:r>
               <a:rPr lang="en-GB" dirty="0"/>
               <a:t>The Tk widget will hold a reference to the internal object, but </a:t>
@@ -6467,14 +6522,14 @@
             </a:r>
           </a:p>
           <a:p>
-            <a:pPr algn="just"/>
+            <a:pPr algn="ctr"/>
             <a:r>
               <a:rPr lang="en-GB" dirty="0"/>
               <a:t>Since the image is in use by a widget, when Python’s garbage collector discards the Tkinter object, it doesn’t get destroyed completely, it gets blanked (you will see a white square instead).</a:t>
             </a:r>
           </a:p>
           <a:p>
-            <a:pPr algn="just"/>
+            <a:pPr algn="ctr"/>
             <a:r>
               <a:rPr lang="en-GB" dirty="0"/>
               <a:t>The solution is to </a:t>
@@ -6486,6 +6541,17 @@
             <a:r>
               <a:rPr lang="en-GB" dirty="0"/>
               <a:t>to the Tkinter object, for example by attaching it to a widget attribute, like in the example above.</a:t>
+            </a:r>
+          </a:p>
+          <a:p>
+            <a:pPr algn="ctr"/>
+            <a:endParaRPr lang="en-GB" dirty="0"/>
+          </a:p>
+          <a:p>
+            <a:pPr algn="ctr"/>
+            <a:r>
+              <a:rPr lang="en-GB" i="1" dirty="0"/>
+              <a:t>Source: www.webarchive.org</a:t>
             </a:r>
           </a:p>
         </p:txBody>
